--- a/Chapter11.ADC & DAC.pptx
+++ b/Chapter11.ADC & DAC.pptx
@@ -5,10 +5,10 @@
     <p:sldMasterId id="2147483648" r:id="rId4"/>
   </p:sldMasterIdLst>
   <p:notesMasterIdLst>
-    <p:notesMasterId r:id="rId17"/>
+    <p:notesMasterId r:id="rId16"/>
   </p:notesMasterIdLst>
   <p:handoutMasterIdLst>
-    <p:handoutMasterId r:id="rId18"/>
+    <p:handoutMasterId r:id="rId17"/>
   </p:handoutMasterIdLst>
   <p:sldIdLst>
     <p:sldId id="2481" r:id="rId5"/>
@@ -19,10 +19,9 @@
     <p:sldId id="2495" r:id="rId10"/>
     <p:sldId id="2496" r:id="rId11"/>
     <p:sldId id="2500" r:id="rId12"/>
-    <p:sldId id="2497" r:id="rId13"/>
-    <p:sldId id="2499" r:id="rId14"/>
-    <p:sldId id="2498" r:id="rId15"/>
-    <p:sldId id="2491" r:id="rId16"/>
+    <p:sldId id="2501" r:id="rId13"/>
+    <p:sldId id="2497" r:id="rId14"/>
+    <p:sldId id="2499" r:id="rId15"/>
   </p:sldIdLst>
   <p:sldSz cx="9144000" cy="6858000" type="screen4x3"/>
   <p:notesSz cx="6858000" cy="9144000"/>
@@ -242,7 +241,7 @@
           <a:p>
             <a:fld id="{966D5B4E-BF3E-3B45-A4BA-D6C3B92870D7}" type="datetimeFigureOut">
               <a:rPr lang="en-US" smtClean="0"/>
-              <a:t>6/25/2023</a:t>
+              <a:t>6/27/2023</a:t>
             </a:fld>
             <a:endParaRPr lang="en-US" dirty="0"/>
           </a:p>
@@ -419,7 +418,7 @@
           <a:p>
             <a:fld id="{F5A8621B-8C8E-49BA-8772-41D0FE75A082}" type="datetimeFigureOut">
               <a:rPr lang="en-US" smtClean="0"/>
-              <a:t>6/25/2023</a:t>
+              <a:t>6/27/2023</a:t>
             </a:fld>
             <a:endParaRPr lang="en-US" dirty="0"/>
           </a:p>
@@ -854,96 +853,7 @@
     </p:spTree>
     <p:extLst>
       <p:ext uri="{BB962C8B-B14F-4D97-AF65-F5344CB8AC3E}">
-        <p14:creationId xmlns:p14="http://schemas.microsoft.com/office/powerpoint/2010/main" val="1831487384"/>
-      </p:ext>
-    </p:extLst>
-  </p:cSld>
-  <p:clrMapOvr>
-    <a:masterClrMapping/>
-  </p:clrMapOvr>
-</p:notes>
-</file>
-
-<file path=ppt/notesSlides/notesSlide11.xml><?xml version="1.0" encoding="utf-8"?>
-<p:notes xmlns:a="http://schemas.openxmlformats.org/drawingml/2006/main" xmlns:r="http://schemas.openxmlformats.org/officeDocument/2006/relationships" xmlns:p="http://schemas.openxmlformats.org/presentationml/2006/main">
-  <p:cSld>
-    <p:spTree>
-      <p:nvGrpSpPr>
-        <p:cNvPr id="1" name=""/>
-        <p:cNvGrpSpPr/>
-        <p:nvPr/>
-      </p:nvGrpSpPr>
-      <p:grpSpPr>
-        <a:xfrm>
-          <a:off x="0" y="0"/>
-          <a:ext cx="0" cy="0"/>
-          <a:chOff x="0" y="0"/>
-          <a:chExt cx="0" cy="0"/>
-        </a:xfrm>
-      </p:grpSpPr>
-      <p:sp>
-        <p:nvSpPr>
-          <p:cNvPr id="2" name="Slide Image Placeholder 1"/>
-          <p:cNvSpPr>
-            <a:spLocks noGrp="1" noRot="1" noChangeAspect="1"/>
-          </p:cNvSpPr>
-          <p:nvPr>
-            <p:ph type="sldImg"/>
-          </p:nvPr>
-        </p:nvSpPr>
-        <p:spPr>
-          <a:xfrm>
-            <a:off x="1371600" y="1143000"/>
-            <a:ext cx="4114800" cy="3086100"/>
-          </a:xfrm>
-        </p:spPr>
-      </p:sp>
-      <p:sp>
-        <p:nvSpPr>
-          <p:cNvPr id="3" name="Notes Placeholder 2"/>
-          <p:cNvSpPr>
-            <a:spLocks noGrp="1"/>
-          </p:cNvSpPr>
-          <p:nvPr>
-            <p:ph type="body" idx="1"/>
-          </p:nvPr>
-        </p:nvSpPr>
-        <p:spPr/>
-        <p:txBody>
-          <a:bodyPr/>
-          <a:lstStyle/>
-          <a:p>
-            <a:endParaRPr lang="en-US" dirty="0"/>
-          </a:p>
-        </p:txBody>
-      </p:sp>
-      <p:sp>
-        <p:nvSpPr>
-          <p:cNvPr id="4" name="Slide Number Placeholder 3"/>
-          <p:cNvSpPr>
-            <a:spLocks noGrp="1"/>
-          </p:cNvSpPr>
-          <p:nvPr>
-            <p:ph type="sldNum" sz="quarter" idx="5"/>
-          </p:nvPr>
-        </p:nvSpPr>
-        <p:spPr/>
-        <p:txBody>
-          <a:bodyPr/>
-          <a:lstStyle/>
-          <a:p>
-            <a:fld id="{228B34ED-4CDD-41C9-90F7-D768D5559A6F}" type="slidenum">
-              <a:rPr lang="en-US" smtClean="0"/>
-              <a:t>12</a:t>
-            </a:fld>
-            <a:endParaRPr lang="en-US" dirty="0"/>
-          </a:p>
-        </p:txBody>
-      </p:sp>
-    </p:spTree>
-    <p:extLst>
-      <p:ext uri="{BB962C8B-B14F-4D97-AF65-F5344CB8AC3E}">
-        <p14:creationId xmlns:p14="http://schemas.microsoft.com/office/powerpoint/2010/main" val="3093057526"/>
+        <p14:creationId xmlns:p14="http://schemas.microsoft.com/office/powerpoint/2010/main" val="2239222504"/>
       </p:ext>
     </p:extLst>
   </p:cSld>
@@ -1566,7 +1476,7 @@
     </p:spTree>
     <p:extLst>
       <p:ext uri="{BB962C8B-B14F-4D97-AF65-F5344CB8AC3E}">
-        <p14:creationId xmlns:p14="http://schemas.microsoft.com/office/powerpoint/2010/main" val="2907214573"/>
+        <p14:creationId xmlns:p14="http://schemas.microsoft.com/office/powerpoint/2010/main" val="1988342701"/>
       </p:ext>
     </p:extLst>
   </p:cSld>
@@ -1655,7 +1565,7 @@
     </p:spTree>
     <p:extLst>
       <p:ext uri="{BB962C8B-B14F-4D97-AF65-F5344CB8AC3E}">
-        <p14:creationId xmlns:p14="http://schemas.microsoft.com/office/powerpoint/2010/main" val="2239222504"/>
+        <p14:creationId xmlns:p14="http://schemas.microsoft.com/office/powerpoint/2010/main" val="2907214573"/>
       </p:ext>
     </p:extLst>
   </p:cSld>
@@ -6161,12 +6071,37 @@
           <a:chExt cx="0" cy="0"/>
         </a:xfrm>
       </p:grpSpPr>
+      <p:sp>
+        <p:nvSpPr>
+          <p:cNvPr id="4" name="Content Placeholder 3">
+            <a:extLst>
+              <a:ext uri="{FF2B5EF4-FFF2-40B4-BE49-F238E27FC236}">
+                <a16:creationId xmlns:a16="http://schemas.microsoft.com/office/drawing/2014/main" id="{68C40095-573C-D03D-A64A-5FA43A8874E5}"/>
+              </a:ext>
+            </a:extLst>
+          </p:cNvPr>
+          <p:cNvSpPr>
+            <a:spLocks noGrp="1"/>
+          </p:cNvSpPr>
+          <p:nvPr>
+            <p:ph idx="1"/>
+          </p:nvPr>
+        </p:nvSpPr>
+        <p:spPr/>
+        <p:txBody>
+          <a:bodyPr/>
+          <a:lstStyle/>
+          <a:p>
+            <a:endParaRPr lang="en-US"/>
+          </a:p>
+        </p:txBody>
+      </p:sp>
       <p:pic>
         <p:nvPicPr>
-          <p:cNvPr id="2" name="Picture 1">
-            <a:extLst>
-              <a:ext uri="{FF2B5EF4-FFF2-40B4-BE49-F238E27FC236}">
-                <a16:creationId xmlns:a16="http://schemas.microsoft.com/office/drawing/2014/main" id="{FB70DC05-C7D9-4687-FD40-4AE0557CA353}"/>
+          <p:cNvPr id="6" name="Picture 5">
+            <a:extLst>
+              <a:ext uri="{FF2B5EF4-FFF2-40B4-BE49-F238E27FC236}">
+                <a16:creationId xmlns:a16="http://schemas.microsoft.com/office/drawing/2014/main" id="{FB3BFE25-56AA-538E-0708-7BC8AC2A73E9}"/>
               </a:ext>
             </a:extLst>
           </p:cNvPr>
@@ -6183,8 +6118,38 @@
         </p:blipFill>
         <p:spPr>
           <a:xfrm>
-            <a:off x="0" y="0"/>
-            <a:ext cx="9143999" cy="4660490"/>
+            <a:off x="1266824" y="190143"/>
+            <a:ext cx="6610350" cy="828675"/>
+          </a:xfrm>
+          <a:prstGeom prst="rect">
+            <a:avLst/>
+          </a:prstGeom>
+        </p:spPr>
+      </p:pic>
+      <p:pic>
+        <p:nvPicPr>
+          <p:cNvPr id="7" name="Picture 6">
+            <a:extLst>
+              <a:ext uri="{FF2B5EF4-FFF2-40B4-BE49-F238E27FC236}">
+                <a16:creationId xmlns:a16="http://schemas.microsoft.com/office/drawing/2014/main" id="{AF25B8DA-8333-16FD-2829-D9D2DA046D07}"/>
+              </a:ext>
+            </a:extLst>
+          </p:cNvPr>
+          <p:cNvPicPr>
+            <a:picLocks noChangeAspect="1"/>
+          </p:cNvPicPr>
+          <p:nvPr/>
+        </p:nvPicPr>
+        <p:blipFill>
+          <a:blip r:embed="rId4"/>
+          <a:stretch>
+            <a:fillRect/>
+          </a:stretch>
+        </p:blipFill>
+        <p:spPr>
+          <a:xfrm>
+            <a:off x="338136" y="946853"/>
+            <a:ext cx="8467725" cy="5505450"/>
           </a:xfrm>
           <a:prstGeom prst="rect">
             <a:avLst/>
@@ -6194,7 +6159,7 @@
     </p:spTree>
     <p:extLst>
       <p:ext uri="{BB962C8B-B14F-4D97-AF65-F5344CB8AC3E}">
-        <p14:creationId xmlns:p14="http://schemas.microsoft.com/office/powerpoint/2010/main" val="57484435"/>
+        <p14:creationId xmlns:p14="http://schemas.microsoft.com/office/powerpoint/2010/main" val="403704832"/>
       </p:ext>
     </p:extLst>
   </p:cSld>
@@ -6221,63 +6186,19 @@
           <a:chExt cx="0" cy="0"/>
         </a:xfrm>
       </p:grpSpPr>
-      <p:sp>
-        <p:nvSpPr>
-          <p:cNvPr id="8" name="TextBox 7">
-            <a:extLst>
-              <a:ext uri="{FF2B5EF4-FFF2-40B4-BE49-F238E27FC236}">
-                <a16:creationId xmlns:a16="http://schemas.microsoft.com/office/drawing/2014/main" id="{F405F128-2034-6EB8-54BC-FCD86416C360}"/>
-              </a:ext>
-            </a:extLst>
-          </p:cNvPr>
-          <p:cNvSpPr txBox="1"/>
-          <p:nvPr/>
-        </p:nvSpPr>
-        <p:spPr>
-          <a:xfrm>
-            <a:off x="2286000" y="185166"/>
-            <a:ext cx="4572000" cy="461665"/>
-          </a:xfrm>
-          <a:prstGeom prst="rect">
-            <a:avLst/>
-          </a:prstGeom>
-          <a:noFill/>
-        </p:spPr>
-        <p:txBody>
-          <a:bodyPr wrap="square">
-            <a:spAutoFit/>
-          </a:bodyPr>
-          <a:lstStyle/>
-          <a:p>
-            <a:pPr algn="ctr"/>
-            <a:r>
-              <a:rPr lang="en-US" sz="2400" b="0" i="0" u="none" strike="noStrike" baseline="0" dirty="0">
-                <a:solidFill>
-                  <a:srgbClr val="2A1A00"/>
-                </a:solidFill>
-                <a:latin typeface="Impact" panose="020B0806030902050204" pitchFamily="34" charset="0"/>
-              </a:rPr>
-              <a:t>DAC</a:t>
-            </a:r>
-            <a:endParaRPr lang="en-US" sz="4800" dirty="0"/>
-          </a:p>
-        </p:txBody>
-      </p:sp>
       <p:pic>
         <p:nvPicPr>
-          <p:cNvPr id="2" name="Content Placeholder 5">
-            <a:extLst>
-              <a:ext uri="{FF2B5EF4-FFF2-40B4-BE49-F238E27FC236}">
-                <a16:creationId xmlns:a16="http://schemas.microsoft.com/office/drawing/2014/main" id="{BFCD7F54-3EC7-5C16-3344-EF04B9DABA29}"/>
+          <p:cNvPr id="2" name="Picture 1">
+            <a:extLst>
+              <a:ext uri="{FF2B5EF4-FFF2-40B4-BE49-F238E27FC236}">
+                <a16:creationId xmlns:a16="http://schemas.microsoft.com/office/drawing/2014/main" id="{FB70DC05-C7D9-4687-FD40-4AE0557CA353}"/>
               </a:ext>
             </a:extLst>
           </p:cNvPr>
           <p:cNvPicPr>
-            <a:picLocks noGrp="1" noChangeAspect="1"/>
+            <a:picLocks noChangeAspect="1"/>
           </p:cNvPicPr>
-          <p:nvPr>
-            <p:ph idx="1"/>
-          </p:nvPr>
+          <p:nvPr/>
         </p:nvPicPr>
         <p:blipFill>
           <a:blip r:embed="rId3"/>
@@ -6287,8 +6208,8 @@
         </p:blipFill>
         <p:spPr>
           <a:xfrm>
-            <a:off x="213360" y="1590198"/>
-            <a:ext cx="8717280" cy="3677603"/>
+            <a:off x="0" y="0"/>
+            <a:ext cx="9143999" cy="4660490"/>
           </a:xfrm>
           <a:prstGeom prst="rect">
             <a:avLst/>
@@ -6298,282 +6219,7 @@
     </p:spTree>
     <p:extLst>
       <p:ext uri="{BB962C8B-B14F-4D97-AF65-F5344CB8AC3E}">
-        <p14:creationId xmlns:p14="http://schemas.microsoft.com/office/powerpoint/2010/main" val="212662278"/>
-      </p:ext>
-    </p:extLst>
-  </p:cSld>
-  <p:clrMapOvr>
-    <a:masterClrMapping/>
-  </p:clrMapOvr>
-</p:sld>
-</file>
-
-<file path=ppt/slides/slide12.xml><?xml version="1.0" encoding="utf-8"?>
-<p:sld xmlns:a="http://schemas.openxmlformats.org/drawingml/2006/main" xmlns:r="http://schemas.openxmlformats.org/officeDocument/2006/relationships" xmlns:p="http://schemas.openxmlformats.org/presentationml/2006/main">
-  <p:cSld>
-    <p:spTree>
-      <p:nvGrpSpPr>
-        <p:cNvPr id="1" name=""/>
-        <p:cNvGrpSpPr/>
-        <p:nvPr/>
-      </p:nvGrpSpPr>
-      <p:grpSpPr>
-        <a:xfrm>
-          <a:off x="0" y="0"/>
-          <a:ext cx="0" cy="0"/>
-          <a:chOff x="0" y="0"/>
-          <a:chExt cx="0" cy="0"/>
-        </a:xfrm>
-      </p:grpSpPr>
-      <p:sp>
-        <p:nvSpPr>
-          <p:cNvPr id="15" name="TextBox 14">
-            <a:extLst>
-              <a:ext uri="{FF2B5EF4-FFF2-40B4-BE49-F238E27FC236}">
-                <a16:creationId xmlns:a16="http://schemas.microsoft.com/office/drawing/2014/main" id="{38CE6A78-D97E-BC16-BE28-02B80EDBE79C}"/>
-              </a:ext>
-            </a:extLst>
-          </p:cNvPr>
-          <p:cNvSpPr txBox="1"/>
-          <p:nvPr/>
-        </p:nvSpPr>
-        <p:spPr>
-          <a:xfrm>
-            <a:off x="-2" y="1052427"/>
-            <a:ext cx="4572000" cy="2031325"/>
-          </a:xfrm>
-          <a:prstGeom prst="rect">
-            <a:avLst/>
-          </a:prstGeom>
-          <a:noFill/>
-        </p:spPr>
-        <p:txBody>
-          <a:bodyPr wrap="square" rtlCol="0">
-            <a:spAutoFit/>
-          </a:bodyPr>
-          <a:lstStyle/>
-          <a:p>
-            <a:r>
-              <a:rPr lang="en-US" dirty="0"/>
-              <a:t>To send data and commands to LCDs you should do the following steps. Notice that steps 2 and 3 can be repeated many times:</a:t>
-            </a:r>
-          </a:p>
-          <a:p>
-            <a:r>
-              <a:rPr lang="en-US" dirty="0"/>
-              <a:t>1. Initialize the LCD.</a:t>
-            </a:r>
-          </a:p>
-          <a:p>
-            <a:r>
-              <a:rPr lang="en-US" dirty="0"/>
-              <a:t>3. Send the character to be shown on the LCD.</a:t>
-            </a:r>
-          </a:p>
-          <a:p>
-            <a:r>
-              <a:rPr lang="en-US" dirty="0"/>
-              <a:t>2. Send any of the commands from Table 2 to the LCD.</a:t>
-            </a:r>
-          </a:p>
-        </p:txBody>
-      </p:sp>
-      <p:sp>
-        <p:nvSpPr>
-          <p:cNvPr id="16" name="TextBox 15">
-            <a:extLst>
-              <a:ext uri="{FF2B5EF4-FFF2-40B4-BE49-F238E27FC236}">
-                <a16:creationId xmlns:a16="http://schemas.microsoft.com/office/drawing/2014/main" id="{5CB9B678-AB3A-62F2-1D65-8209B1EC6292}"/>
-              </a:ext>
-            </a:extLst>
-          </p:cNvPr>
-          <p:cNvSpPr txBox="1"/>
-          <p:nvPr/>
-        </p:nvSpPr>
-        <p:spPr>
-          <a:xfrm>
-            <a:off x="4572001" y="1052427"/>
-            <a:ext cx="4571999" cy="1754326"/>
-          </a:xfrm>
-          <a:prstGeom prst="rect">
-            <a:avLst/>
-          </a:prstGeom>
-          <a:noFill/>
-        </p:spPr>
-        <p:txBody>
-          <a:bodyPr wrap="square" rtlCol="0">
-            <a:spAutoFit/>
-          </a:bodyPr>
-          <a:lstStyle/>
-          <a:p>
-            <a:pPr algn="r" rtl="1"/>
-            <a:r>
-              <a:rPr lang="fa-IR" dirty="0">
-                <a:cs typeface="B Nazanin" panose="00000400000000000000" pitchFamily="2" charset="-78"/>
-              </a:rPr>
-              <a:t>برای ارسال داده ها و دستورات به </a:t>
-            </a:r>
-            <a:r>
-              <a:rPr lang="en-US" dirty="0">
-                <a:cs typeface="B Nazanin" panose="00000400000000000000" pitchFamily="2" charset="-78"/>
-              </a:rPr>
-              <a:t>LCD </a:t>
-            </a:r>
-            <a:r>
-              <a:rPr lang="fa-IR" dirty="0">
-                <a:cs typeface="B Nazanin" panose="00000400000000000000" pitchFamily="2" charset="-78"/>
-              </a:rPr>
-              <a:t>باید مراحل زیر را انجام دهید. توجه داشته باشید که مراحل 2 و 3 را می توان چندین بار تکرار کرد:</a:t>
-            </a:r>
-          </a:p>
-          <a:p>
-            <a:pPr algn="r" rtl="1"/>
-            <a:r>
-              <a:rPr lang="fa-IR" dirty="0">
-                <a:cs typeface="B Nazanin" panose="00000400000000000000" pitchFamily="2" charset="-78"/>
-              </a:rPr>
-              <a:t>1. ال سی دی را راه اندازی کنید.</a:t>
-            </a:r>
-          </a:p>
-          <a:p>
-            <a:pPr algn="r" rtl="1"/>
-            <a:r>
-              <a:rPr lang="fa-IR" dirty="0">
-                <a:cs typeface="B Nazanin" panose="00000400000000000000" pitchFamily="2" charset="-78"/>
-              </a:rPr>
-              <a:t>3. کاراکتر را برای نمایش در </a:t>
-            </a:r>
-            <a:r>
-              <a:rPr lang="en-US" dirty="0">
-                <a:cs typeface="B Nazanin" panose="00000400000000000000" pitchFamily="2" charset="-78"/>
-              </a:rPr>
-              <a:t>LCD </a:t>
-            </a:r>
-            <a:r>
-              <a:rPr lang="fa-IR" dirty="0">
-                <a:cs typeface="B Nazanin" panose="00000400000000000000" pitchFamily="2" charset="-78"/>
-              </a:rPr>
-              <a:t>ارسال کنید.</a:t>
-            </a:r>
-          </a:p>
-          <a:p>
-            <a:pPr algn="r" rtl="1"/>
-            <a:r>
-              <a:rPr lang="fa-IR" dirty="0">
-                <a:cs typeface="B Nazanin" panose="00000400000000000000" pitchFamily="2" charset="-78"/>
-              </a:rPr>
-              <a:t>2. هر یک از دستورات جدول 2 را به </a:t>
-            </a:r>
-            <a:r>
-              <a:rPr lang="en-US" dirty="0">
-                <a:cs typeface="B Nazanin" panose="00000400000000000000" pitchFamily="2" charset="-78"/>
-              </a:rPr>
-              <a:t>LCD </a:t>
-            </a:r>
-            <a:r>
-              <a:rPr lang="fa-IR" dirty="0">
-                <a:cs typeface="B Nazanin" panose="00000400000000000000" pitchFamily="2" charset="-78"/>
-              </a:rPr>
-              <a:t>ارسال کنید.</a:t>
-            </a:r>
-            <a:endParaRPr lang="en-US" dirty="0">
-              <a:cs typeface="B Nazanin" panose="00000400000000000000" pitchFamily="2" charset="-78"/>
-            </a:endParaRPr>
-          </a:p>
-        </p:txBody>
-      </p:sp>
-      <p:cxnSp>
-        <p:nvCxnSpPr>
-          <p:cNvPr id="18" name="Straight Connector 17">
-            <a:extLst>
-              <a:ext uri="{FF2B5EF4-FFF2-40B4-BE49-F238E27FC236}">
-                <a16:creationId xmlns:a16="http://schemas.microsoft.com/office/drawing/2014/main" id="{0EFD0886-7A54-FF26-AF04-FE27F0FDB89A}"/>
-              </a:ext>
-            </a:extLst>
-          </p:cNvPr>
-          <p:cNvCxnSpPr>
-            <a:cxnSpLocks/>
-          </p:cNvCxnSpPr>
-          <p:nvPr/>
-        </p:nvCxnSpPr>
-        <p:spPr>
-          <a:xfrm>
-            <a:off x="4572000" y="963472"/>
-            <a:ext cx="0" cy="5213393"/>
-          </a:xfrm>
-          <a:prstGeom prst="line">
-            <a:avLst/>
-          </a:prstGeom>
-          <a:ln w="38100">
-            <a:solidFill>
-              <a:schemeClr val="tx1">
-                <a:lumMod val="95000"/>
-                <a:lumOff val="5000"/>
-              </a:schemeClr>
-            </a:solidFill>
-          </a:ln>
-        </p:spPr>
-        <p:style>
-          <a:lnRef idx="1">
-            <a:schemeClr val="dk1"/>
-          </a:lnRef>
-          <a:fillRef idx="0">
-            <a:schemeClr val="dk1"/>
-          </a:fillRef>
-          <a:effectRef idx="0">
-            <a:schemeClr val="dk1"/>
-          </a:effectRef>
-          <a:fontRef idx="minor">
-            <a:schemeClr val="tx1"/>
-          </a:fontRef>
-        </p:style>
-      </p:cxnSp>
-      <p:sp>
-        <p:nvSpPr>
-          <p:cNvPr id="8" name="TextBox 7">
-            <a:extLst>
-              <a:ext uri="{FF2B5EF4-FFF2-40B4-BE49-F238E27FC236}">
-                <a16:creationId xmlns:a16="http://schemas.microsoft.com/office/drawing/2014/main" id="{F405F128-2034-6EB8-54BC-FCD86416C360}"/>
-              </a:ext>
-            </a:extLst>
-          </p:cNvPr>
-          <p:cNvSpPr txBox="1"/>
-          <p:nvPr/>
-        </p:nvSpPr>
-        <p:spPr>
-          <a:xfrm>
-            <a:off x="2286000" y="185166"/>
-            <a:ext cx="4572000" cy="369332"/>
-          </a:xfrm>
-          <a:prstGeom prst="rect">
-            <a:avLst/>
-          </a:prstGeom>
-          <a:noFill/>
-        </p:spPr>
-        <p:txBody>
-          <a:bodyPr wrap="square">
-            <a:spAutoFit/>
-          </a:bodyPr>
-          <a:lstStyle/>
-          <a:p>
-            <a:pPr algn="ctr"/>
-            <a:r>
-              <a:rPr lang="en-US" sz="1800" b="0" i="0" u="none" strike="noStrike" baseline="0" dirty="0">
-                <a:solidFill>
-                  <a:srgbClr val="2A1A00"/>
-                </a:solidFill>
-                <a:latin typeface="Impact" panose="020B0806030902050204" pitchFamily="34" charset="0"/>
-              </a:rPr>
-              <a:t>Sending command and data to LCD</a:t>
-            </a:r>
-            <a:endParaRPr lang="en-US" sz="4800" dirty="0"/>
-          </a:p>
-        </p:txBody>
-      </p:sp>
-    </p:spTree>
-    <p:extLst>
-      <p:ext uri="{BB962C8B-B14F-4D97-AF65-F5344CB8AC3E}">
-        <p14:creationId xmlns:p14="http://schemas.microsoft.com/office/powerpoint/2010/main" val="2788584589"/>
+        <p14:creationId xmlns:p14="http://schemas.microsoft.com/office/powerpoint/2010/main" val="57484435"/>
       </p:ext>
     </p:extLst>
   </p:cSld>
@@ -7324,44 +6970,21 @@
           <a:chExt cx="0" cy="0"/>
         </a:xfrm>
       </p:grpSpPr>
-      <p:sp>
-        <p:nvSpPr>
-          <p:cNvPr id="4" name="Content Placeholder 3">
-            <a:extLst>
-              <a:ext uri="{FF2B5EF4-FFF2-40B4-BE49-F238E27FC236}">
-                <a16:creationId xmlns:a16="http://schemas.microsoft.com/office/drawing/2014/main" id="{68C40095-573C-D03D-A64A-5FA43A8874E5}"/>
-              </a:ext>
-            </a:extLst>
-          </p:cNvPr>
-          <p:cNvSpPr>
-            <a:spLocks noGrp="1"/>
-          </p:cNvSpPr>
-          <p:nvPr>
-            <p:ph idx="1"/>
-          </p:nvPr>
-        </p:nvSpPr>
-        <p:spPr/>
-        <p:txBody>
-          <a:bodyPr/>
-          <a:lstStyle/>
-          <a:p>
-            <a:endParaRPr lang="en-US"/>
-          </a:p>
-        </p:txBody>
-      </p:sp>
       <p:pic>
         <p:nvPicPr>
-          <p:cNvPr id="6" name="Picture 5">
-            <a:extLst>
-              <a:ext uri="{FF2B5EF4-FFF2-40B4-BE49-F238E27FC236}">
-                <a16:creationId xmlns:a16="http://schemas.microsoft.com/office/drawing/2014/main" id="{FB3BFE25-56AA-538E-0708-7BC8AC2A73E9}"/>
+          <p:cNvPr id="2" name="Content Placeholder 5">
+            <a:extLst>
+              <a:ext uri="{FF2B5EF4-FFF2-40B4-BE49-F238E27FC236}">
+                <a16:creationId xmlns:a16="http://schemas.microsoft.com/office/drawing/2014/main" id="{BB179E06-F9E8-5C7D-5131-0309AF8374FD}"/>
               </a:ext>
             </a:extLst>
           </p:cNvPr>
           <p:cNvPicPr>
-            <a:picLocks noChangeAspect="1"/>
+            <a:picLocks noGrp="1" noChangeAspect="1"/>
           </p:cNvPicPr>
-          <p:nvPr/>
+          <p:nvPr>
+            <p:ph idx="1"/>
+          </p:nvPr>
         </p:nvPicPr>
         <p:blipFill>
           <a:blip r:embed="rId3"/>
@@ -7371,48 +6994,60 @@
         </p:blipFill>
         <p:spPr>
           <a:xfrm>
-            <a:off x="1266824" y="190143"/>
-            <a:ext cx="6610350" cy="828675"/>
+            <a:off x="0" y="2185766"/>
+            <a:ext cx="9144000" cy="3677603"/>
           </a:xfrm>
           <a:prstGeom prst="rect">
             <a:avLst/>
           </a:prstGeom>
         </p:spPr>
       </p:pic>
-      <p:pic>
-        <p:nvPicPr>
-          <p:cNvPr id="7" name="Picture 6">
-            <a:extLst>
-              <a:ext uri="{FF2B5EF4-FFF2-40B4-BE49-F238E27FC236}">
-                <a16:creationId xmlns:a16="http://schemas.microsoft.com/office/drawing/2014/main" id="{AF25B8DA-8333-16FD-2829-D9D2DA046D07}"/>
-              </a:ext>
-            </a:extLst>
-          </p:cNvPr>
-          <p:cNvPicPr>
-            <a:picLocks noChangeAspect="1"/>
-          </p:cNvPicPr>
+      <p:sp>
+        <p:nvSpPr>
+          <p:cNvPr id="5" name="TextBox 4">
+            <a:extLst>
+              <a:ext uri="{FF2B5EF4-FFF2-40B4-BE49-F238E27FC236}">
+                <a16:creationId xmlns:a16="http://schemas.microsoft.com/office/drawing/2014/main" id="{29C026E2-BADD-DB13-974C-67449334A5F4}"/>
+              </a:ext>
+            </a:extLst>
+          </p:cNvPr>
+          <p:cNvSpPr txBox="1"/>
           <p:nvPr/>
-        </p:nvPicPr>
-        <p:blipFill>
-          <a:blip r:embed="rId4"/>
-          <a:stretch>
-            <a:fillRect/>
-          </a:stretch>
-        </p:blipFill>
-        <p:spPr>
-          <a:xfrm>
-            <a:off x="338136" y="946853"/>
-            <a:ext cx="8467725" cy="5505450"/>
+        </p:nvSpPr>
+        <p:spPr>
+          <a:xfrm>
+            <a:off x="2286000" y="159464"/>
+            <a:ext cx="4572000" cy="523220"/>
           </a:xfrm>
           <a:prstGeom prst="rect">
             <a:avLst/>
           </a:prstGeom>
-        </p:spPr>
-      </p:pic>
+          <a:noFill/>
+        </p:spPr>
+        <p:txBody>
+          <a:bodyPr wrap="square">
+            <a:spAutoFit/>
+          </a:bodyPr>
+          <a:lstStyle/>
+          <a:p>
+            <a:pPr algn="ctr"/>
+            <a:r>
+              <a:rPr lang="en-US" sz="2800" b="0" i="0" u="none" strike="noStrike" baseline="0" dirty="0">
+                <a:solidFill>
+                  <a:srgbClr val="2A1A00"/>
+                </a:solidFill>
+                <a:latin typeface="Impact" panose="020B0806030902050204" pitchFamily="34" charset="0"/>
+              </a:rPr>
+              <a:t>DAC</a:t>
+            </a:r>
+            <a:endParaRPr lang="en-US" sz="5400" dirty="0"/>
+          </a:p>
+        </p:txBody>
+      </p:sp>
     </p:spTree>
     <p:extLst>
       <p:ext uri="{BB962C8B-B14F-4D97-AF65-F5344CB8AC3E}">
-        <p14:creationId xmlns:p14="http://schemas.microsoft.com/office/powerpoint/2010/main" val="403704832"/>
+        <p14:creationId xmlns:p14="http://schemas.microsoft.com/office/powerpoint/2010/main" val="1832966908"/>
       </p:ext>
     </p:extLst>
   </p:cSld>
@@ -8308,15 +7943,6 @@
 </file>
 
 <file path=customXml/item1.xml><?xml version="1.0" encoding="utf-8"?>
-<?mso-contentType ?>
-<FormTemplates xmlns="http://schemas.microsoft.com/sharepoint/v3/contenttype/forms">
-  <Display>DocumentLibraryForm</Display>
-  <Edit>DocumentLibraryForm</Edit>
-  <New>DocumentLibraryForm</New>
-</FormTemplates>
-</file>
-
-<file path=customXml/item2.xml><?xml version="1.0" encoding="utf-8"?>
 <ct:contentTypeSchema xmlns:ct="http://schemas.microsoft.com/office/2006/metadata/contentType" xmlns:ma="http://schemas.microsoft.com/office/2006/metadata/properties/metaAttributes" ct:_="" ma:_="" ma:contentTypeName="Document" ma:contentTypeID="0x01010079F111ED35F8CC479449609E8A0923A6" ma:contentTypeVersion="12" ma:contentTypeDescription="Create a new document." ma:contentTypeScope="" ma:versionID="426e97fa315356fffbdcd9876fe988c2">
   <xsd:schema xmlns:xsd="http://www.w3.org/2001/XMLSchema" xmlns:xs="http://www.w3.org/2001/XMLSchema" xmlns:p="http://schemas.microsoft.com/office/2006/metadata/properties" xmlns:ns2="71af3243-3dd4-4a8d-8c0d-dd76da1f02a5" xmlns:ns3="16c05727-aa75-4e4a-9b5f-8a80a1165891" targetNamespace="http://schemas.microsoft.com/office/2006/metadata/properties" ma:root="true" ma:fieldsID="14b8f0def80e6d70ce3def20c90759ae" ns2:_="" ns3:_="">
     <xsd:import namespace="71af3243-3dd4-4a8d-8c0d-dd76da1f02a5"/>
@@ -8537,6 +8163,15 @@
 </ct:contentTypeSchema>
 </file>
 
+<file path=customXml/item2.xml><?xml version="1.0" encoding="utf-8"?>
+<?mso-contentType ?>
+<FormTemplates xmlns="http://schemas.microsoft.com/sharepoint/v3/contenttype/forms">
+  <Display>DocumentLibraryForm</Display>
+  <Edit>DocumentLibraryForm</Edit>
+  <New>DocumentLibraryForm</New>
+</FormTemplates>
+</file>
+
 <file path=customXml/item3.xml><?xml version="1.0" encoding="utf-8"?>
 <p:properties xmlns:p="http://schemas.microsoft.com/office/2006/metadata/properties" xmlns:xsi="http://www.w3.org/2001/XMLSchema-instance" xmlns:pc="http://schemas.microsoft.com/office/infopath/2007/PartnerControls">
   <documentManagement>
@@ -8547,14 +8182,6 @@
 </file>
 
 <file path=customXml/itemProps1.xml><?xml version="1.0" encoding="utf-8"?>
-<ds:datastoreItem xmlns:ds="http://schemas.openxmlformats.org/officeDocument/2006/customXml" ds:itemID="{1B7E2D32-4FDD-4266-880C-17595B801432}">
-  <ds:schemaRefs>
-    <ds:schemaRef ds:uri="http://schemas.microsoft.com/sharepoint/v3/contenttype/forms"/>
-  </ds:schemaRefs>
-</ds:datastoreItem>
-</file>
-
-<file path=customXml/itemProps2.xml><?xml version="1.0" encoding="utf-8"?>
 <ds:datastoreItem xmlns:ds="http://schemas.openxmlformats.org/officeDocument/2006/customXml" ds:itemID="{55BB9993-D5F9-46FA-B2E5-80E3632E9820}">
   <ds:schemaRefs>
     <ds:schemaRef ds:uri="http://schemas.microsoft.com/office/2006/metadata/contentType"/>
@@ -8573,6 +8200,14 @@
 </ds:datastoreItem>
 </file>
 
+<file path=customXml/itemProps2.xml><?xml version="1.0" encoding="utf-8"?>
+<ds:datastoreItem xmlns:ds="http://schemas.openxmlformats.org/officeDocument/2006/customXml" ds:itemID="{1B7E2D32-4FDD-4266-880C-17595B801432}">
+  <ds:schemaRefs>
+    <ds:schemaRef ds:uri="http://schemas.microsoft.com/sharepoint/v3/contenttype/forms"/>
+  </ds:schemaRefs>
+</ds:datastoreItem>
+</file>
+
 <file path=customXml/itemProps3.xml><?xml version="1.0" encoding="utf-8"?>
 <ds:datastoreItem xmlns:ds="http://schemas.openxmlformats.org/officeDocument/2006/customXml" ds:itemID="{E3D9F223-918A-45AF-9B53-56AB9E5E2182}">
   <ds:schemaRefs>
